--- a/ppt 16-9/0636.主的慈爱讲不完.pptx
+++ b/ppt 16-9/0636.主的慈爱讲不完.pptx
@@ -5,7 +5,7 @@
     <p:sldMasterId id="2147483648" r:id="rId1"/>
   </p:sldMasterIdLst>
   <p:sldIdLst>
-    <p:sldId id="2432" r:id="rId2"/>
+    <p:sldId id="2433" r:id="rId2"/>
   </p:sldIdLst>
   <p:sldSz cx="12192000" cy="6858000"/>
   <p:notesSz cx="6858000" cy="9144000"/>
@@ -129,7 +129,7 @@
           <p:cNvPr id="2" name="标题 1">
             <a:extLst>
               <a:ext uri="{FF2B5EF4-FFF2-40B4-BE49-F238E27FC236}">
-                <a16:creationId xmlns:a16="http://schemas.microsoft.com/office/drawing/2014/main" id="{79670BD5-E1EE-005C-E4BA-5E26E763232F}"/>
+                <a16:creationId xmlns:a16="http://schemas.microsoft.com/office/drawing/2014/main" id="{062A183D-ED9C-BA24-F706-F42D82CC95C4}"/>
               </a:ext>
             </a:extLst>
           </p:cNvPr>
@@ -166,7 +166,7 @@
           <p:cNvPr id="3" name="副标题 2">
             <a:extLst>
               <a:ext uri="{FF2B5EF4-FFF2-40B4-BE49-F238E27FC236}">
-                <a16:creationId xmlns:a16="http://schemas.microsoft.com/office/drawing/2014/main" id="{76763EF5-17F0-5E97-FC76-420DF60BF56A}"/>
+                <a16:creationId xmlns:a16="http://schemas.microsoft.com/office/drawing/2014/main" id="{FBAFDC8E-EA68-5652-F864-701CDFCA19EF}"/>
               </a:ext>
             </a:extLst>
           </p:cNvPr>
@@ -236,7 +236,7 @@
           <p:cNvPr id="4" name="日期占位符 3">
             <a:extLst>
               <a:ext uri="{FF2B5EF4-FFF2-40B4-BE49-F238E27FC236}">
-                <a16:creationId xmlns:a16="http://schemas.microsoft.com/office/drawing/2014/main" id="{D19D358D-1204-4C62-A84C-BD6AFE6AB2A9}"/>
+                <a16:creationId xmlns:a16="http://schemas.microsoft.com/office/drawing/2014/main" id="{4D24A7A0-8633-971B-0028-CD2409731B9B}"/>
               </a:ext>
             </a:extLst>
           </p:cNvPr>
@@ -252,7 +252,7 @@
           <a:bodyPr/>
           <a:lstStyle/>
           <a:p>
-            <a:fld id="{F02B755E-E8D3-4E89-9330-B3B34608EDEC}" type="datetimeFigureOut">
+            <a:fld id="{9D500D2F-7107-4DAA-838B-73FF36617F64}" type="datetimeFigureOut">
               <a:rPr lang="zh-CN" altLang="en-US" smtClean="0"/>
               <a:t>2024/3/10</a:t>
             </a:fld>
@@ -265,7 +265,7 @@
           <p:cNvPr id="5" name="页脚占位符 4">
             <a:extLst>
               <a:ext uri="{FF2B5EF4-FFF2-40B4-BE49-F238E27FC236}">
-                <a16:creationId xmlns:a16="http://schemas.microsoft.com/office/drawing/2014/main" id="{158C0971-A665-8E40-0783-3671B630E981}"/>
+                <a16:creationId xmlns:a16="http://schemas.microsoft.com/office/drawing/2014/main" id="{94F11056-68A7-7EFF-C9E3-DEF4CA371949}"/>
               </a:ext>
             </a:extLst>
           </p:cNvPr>
@@ -290,7 +290,7 @@
           <p:cNvPr id="6" name="灯片编号占位符 5">
             <a:extLst>
               <a:ext uri="{FF2B5EF4-FFF2-40B4-BE49-F238E27FC236}">
-                <a16:creationId xmlns:a16="http://schemas.microsoft.com/office/drawing/2014/main" id="{ADF96884-47A7-7EB8-8A5E-57743A22DC91}"/>
+                <a16:creationId xmlns:a16="http://schemas.microsoft.com/office/drawing/2014/main" id="{1F34DB7C-98AE-1422-7F39-8880FBD23B26}"/>
               </a:ext>
             </a:extLst>
           </p:cNvPr>
@@ -306,7 +306,7 @@
           <a:bodyPr/>
           <a:lstStyle/>
           <a:p>
-            <a:fld id="{3D29E76B-7B53-4B5C-ACD8-42EDBD0D4A6B}" type="slidenum">
+            <a:fld id="{FB840136-6F12-4CAB-A752-9063F8E637DC}" type="slidenum">
               <a:rPr lang="zh-CN" altLang="en-US" smtClean="0"/>
               <a:t>‹#›</a:t>
             </a:fld>
@@ -317,7 +317,7 @@
     </p:spTree>
     <p:extLst>
       <p:ext uri="{BB962C8B-B14F-4D97-AF65-F5344CB8AC3E}">
-        <p14:creationId xmlns:p14="http://schemas.microsoft.com/office/powerpoint/2010/main" val="2942540346"/>
+        <p14:creationId xmlns:p14="http://schemas.microsoft.com/office/powerpoint/2010/main" val="2099462570"/>
       </p:ext>
     </p:extLst>
   </p:cSld>
@@ -349,7 +349,7 @@
           <p:cNvPr id="2" name="标题 1">
             <a:extLst>
               <a:ext uri="{FF2B5EF4-FFF2-40B4-BE49-F238E27FC236}">
-                <a16:creationId xmlns:a16="http://schemas.microsoft.com/office/drawing/2014/main" id="{B5512457-0E6D-A478-0491-9F0A626FEFF2}"/>
+                <a16:creationId xmlns:a16="http://schemas.microsoft.com/office/drawing/2014/main" id="{708C0BC7-936B-9C5F-1087-363F1057623E}"/>
               </a:ext>
             </a:extLst>
           </p:cNvPr>
@@ -377,7 +377,7 @@
           <p:cNvPr id="3" name="竖排文字占位符 2">
             <a:extLst>
               <a:ext uri="{FF2B5EF4-FFF2-40B4-BE49-F238E27FC236}">
-                <a16:creationId xmlns:a16="http://schemas.microsoft.com/office/drawing/2014/main" id="{D9B729E4-AFDC-515A-C149-38729285B53A}"/>
+                <a16:creationId xmlns:a16="http://schemas.microsoft.com/office/drawing/2014/main" id="{3ECB0E5C-308C-5C88-9DB9-276C1EF795BE}"/>
               </a:ext>
             </a:extLst>
           </p:cNvPr>
@@ -434,7 +434,7 @@
           <p:cNvPr id="4" name="日期占位符 3">
             <a:extLst>
               <a:ext uri="{FF2B5EF4-FFF2-40B4-BE49-F238E27FC236}">
-                <a16:creationId xmlns:a16="http://schemas.microsoft.com/office/drawing/2014/main" id="{8D95DE1D-F6FC-3668-D3A0-5CE5682414E2}"/>
+                <a16:creationId xmlns:a16="http://schemas.microsoft.com/office/drawing/2014/main" id="{77368270-E696-FE2E-FAC1-8269840E56A7}"/>
               </a:ext>
             </a:extLst>
           </p:cNvPr>
@@ -450,7 +450,7 @@
           <a:bodyPr/>
           <a:lstStyle/>
           <a:p>
-            <a:fld id="{F02B755E-E8D3-4E89-9330-B3B34608EDEC}" type="datetimeFigureOut">
+            <a:fld id="{9D500D2F-7107-4DAA-838B-73FF36617F64}" type="datetimeFigureOut">
               <a:rPr lang="zh-CN" altLang="en-US" smtClean="0"/>
               <a:t>2024/3/10</a:t>
             </a:fld>
@@ -463,7 +463,7 @@
           <p:cNvPr id="5" name="页脚占位符 4">
             <a:extLst>
               <a:ext uri="{FF2B5EF4-FFF2-40B4-BE49-F238E27FC236}">
-                <a16:creationId xmlns:a16="http://schemas.microsoft.com/office/drawing/2014/main" id="{AF56F9DB-496E-6199-F1FE-0067D5B6794F}"/>
+                <a16:creationId xmlns:a16="http://schemas.microsoft.com/office/drawing/2014/main" id="{58B55D0C-DBE2-EF7B-EE12-FA187A5AE917}"/>
               </a:ext>
             </a:extLst>
           </p:cNvPr>
@@ -488,7 +488,7 @@
           <p:cNvPr id="6" name="灯片编号占位符 5">
             <a:extLst>
               <a:ext uri="{FF2B5EF4-FFF2-40B4-BE49-F238E27FC236}">
-                <a16:creationId xmlns:a16="http://schemas.microsoft.com/office/drawing/2014/main" id="{EA6C1C36-6A3A-E7D9-99F6-87B926F444A2}"/>
+                <a16:creationId xmlns:a16="http://schemas.microsoft.com/office/drawing/2014/main" id="{4A5F6868-204F-FC1F-B1D1-2CE330FCEE0B}"/>
               </a:ext>
             </a:extLst>
           </p:cNvPr>
@@ -504,7 +504,7 @@
           <a:bodyPr/>
           <a:lstStyle/>
           <a:p>
-            <a:fld id="{3D29E76B-7B53-4B5C-ACD8-42EDBD0D4A6B}" type="slidenum">
+            <a:fld id="{FB840136-6F12-4CAB-A752-9063F8E637DC}" type="slidenum">
               <a:rPr lang="zh-CN" altLang="en-US" smtClean="0"/>
               <a:t>‹#›</a:t>
             </a:fld>
@@ -515,7 +515,7 @@
     </p:spTree>
     <p:extLst>
       <p:ext uri="{BB962C8B-B14F-4D97-AF65-F5344CB8AC3E}">
-        <p14:creationId xmlns:p14="http://schemas.microsoft.com/office/powerpoint/2010/main" val="836969003"/>
+        <p14:creationId xmlns:p14="http://schemas.microsoft.com/office/powerpoint/2010/main" val="1950859887"/>
       </p:ext>
     </p:extLst>
   </p:cSld>
@@ -547,7 +547,7 @@
           <p:cNvPr id="2" name="竖排标题 1">
             <a:extLst>
               <a:ext uri="{FF2B5EF4-FFF2-40B4-BE49-F238E27FC236}">
-                <a16:creationId xmlns:a16="http://schemas.microsoft.com/office/drawing/2014/main" id="{7D751DBE-04F4-1EA8-0E54-8579F455FBDD}"/>
+                <a16:creationId xmlns:a16="http://schemas.microsoft.com/office/drawing/2014/main" id="{1B70FAFF-B794-BC0E-CB5A-F7F35CB3B067}"/>
               </a:ext>
             </a:extLst>
           </p:cNvPr>
@@ -580,7 +580,7 @@
           <p:cNvPr id="3" name="竖排文字占位符 2">
             <a:extLst>
               <a:ext uri="{FF2B5EF4-FFF2-40B4-BE49-F238E27FC236}">
-                <a16:creationId xmlns:a16="http://schemas.microsoft.com/office/drawing/2014/main" id="{7AC62FAD-4310-C16D-7B4F-1116B2C9978D}"/>
+                <a16:creationId xmlns:a16="http://schemas.microsoft.com/office/drawing/2014/main" id="{3BAF0B3B-3F3E-8BBD-6DD3-AFD1D995A68D}"/>
               </a:ext>
             </a:extLst>
           </p:cNvPr>
@@ -642,7 +642,7 @@
           <p:cNvPr id="4" name="日期占位符 3">
             <a:extLst>
               <a:ext uri="{FF2B5EF4-FFF2-40B4-BE49-F238E27FC236}">
-                <a16:creationId xmlns:a16="http://schemas.microsoft.com/office/drawing/2014/main" id="{CCA3A61F-DD9B-8F20-992B-B3E0D1A6201E}"/>
+                <a16:creationId xmlns:a16="http://schemas.microsoft.com/office/drawing/2014/main" id="{74257CCF-39D2-6B36-1676-8A966FDF253A}"/>
               </a:ext>
             </a:extLst>
           </p:cNvPr>
@@ -658,7 +658,7 @@
           <a:bodyPr/>
           <a:lstStyle/>
           <a:p>
-            <a:fld id="{F02B755E-E8D3-4E89-9330-B3B34608EDEC}" type="datetimeFigureOut">
+            <a:fld id="{9D500D2F-7107-4DAA-838B-73FF36617F64}" type="datetimeFigureOut">
               <a:rPr lang="zh-CN" altLang="en-US" smtClean="0"/>
               <a:t>2024/3/10</a:t>
             </a:fld>
@@ -671,7 +671,7 @@
           <p:cNvPr id="5" name="页脚占位符 4">
             <a:extLst>
               <a:ext uri="{FF2B5EF4-FFF2-40B4-BE49-F238E27FC236}">
-                <a16:creationId xmlns:a16="http://schemas.microsoft.com/office/drawing/2014/main" id="{EDB79412-2571-851D-BD82-30663BF64F59}"/>
+                <a16:creationId xmlns:a16="http://schemas.microsoft.com/office/drawing/2014/main" id="{A424DEF9-C247-EA37-3BDF-9A28892BD6A8}"/>
               </a:ext>
             </a:extLst>
           </p:cNvPr>
@@ -696,7 +696,7 @@
           <p:cNvPr id="6" name="灯片编号占位符 5">
             <a:extLst>
               <a:ext uri="{FF2B5EF4-FFF2-40B4-BE49-F238E27FC236}">
-                <a16:creationId xmlns:a16="http://schemas.microsoft.com/office/drawing/2014/main" id="{C235B9FB-3801-2850-E197-8162F343D0B7}"/>
+                <a16:creationId xmlns:a16="http://schemas.microsoft.com/office/drawing/2014/main" id="{286EE4AA-F832-8CE1-7BBB-1458B0888C36}"/>
               </a:ext>
             </a:extLst>
           </p:cNvPr>
@@ -712,7 +712,7 @@
           <a:bodyPr/>
           <a:lstStyle/>
           <a:p>
-            <a:fld id="{3D29E76B-7B53-4B5C-ACD8-42EDBD0D4A6B}" type="slidenum">
+            <a:fld id="{FB840136-6F12-4CAB-A752-9063F8E637DC}" type="slidenum">
               <a:rPr lang="zh-CN" altLang="en-US" smtClean="0"/>
               <a:t>‹#›</a:t>
             </a:fld>
@@ -723,7 +723,7 @@
     </p:spTree>
     <p:extLst>
       <p:ext uri="{BB962C8B-B14F-4D97-AF65-F5344CB8AC3E}">
-        <p14:creationId xmlns:p14="http://schemas.microsoft.com/office/powerpoint/2010/main" val="3370206471"/>
+        <p14:creationId xmlns:p14="http://schemas.microsoft.com/office/powerpoint/2010/main" val="2852993728"/>
       </p:ext>
     </p:extLst>
   </p:cSld>
@@ -755,7 +755,7 @@
           <p:cNvPr id="2" name="标题 1">
             <a:extLst>
               <a:ext uri="{FF2B5EF4-FFF2-40B4-BE49-F238E27FC236}">
-                <a16:creationId xmlns:a16="http://schemas.microsoft.com/office/drawing/2014/main" id="{2BBD4ADD-AE51-D04A-9E0C-09E8F8DF1A73}"/>
+                <a16:creationId xmlns:a16="http://schemas.microsoft.com/office/drawing/2014/main" id="{ABACCB17-76C8-FD8F-0D75-18C4E4913577}"/>
               </a:ext>
             </a:extLst>
           </p:cNvPr>
@@ -783,7 +783,7 @@
           <p:cNvPr id="3" name="内容占位符 2">
             <a:extLst>
               <a:ext uri="{FF2B5EF4-FFF2-40B4-BE49-F238E27FC236}">
-                <a16:creationId xmlns:a16="http://schemas.microsoft.com/office/drawing/2014/main" id="{1E6125D5-03C0-7441-395A-5AA4631E5F69}"/>
+                <a16:creationId xmlns:a16="http://schemas.microsoft.com/office/drawing/2014/main" id="{C044F0AB-CB82-A141-DF9D-3AA64D08DC40}"/>
               </a:ext>
             </a:extLst>
           </p:cNvPr>
@@ -840,7 +840,7 @@
           <p:cNvPr id="4" name="日期占位符 3">
             <a:extLst>
               <a:ext uri="{FF2B5EF4-FFF2-40B4-BE49-F238E27FC236}">
-                <a16:creationId xmlns:a16="http://schemas.microsoft.com/office/drawing/2014/main" id="{AC72FE79-6D18-4391-F25E-A9306AF1E780}"/>
+                <a16:creationId xmlns:a16="http://schemas.microsoft.com/office/drawing/2014/main" id="{FDBCD3B7-A838-77BF-53B4-561C616CD8D8}"/>
               </a:ext>
             </a:extLst>
           </p:cNvPr>
@@ -856,7 +856,7 @@
           <a:bodyPr/>
           <a:lstStyle/>
           <a:p>
-            <a:fld id="{F02B755E-E8D3-4E89-9330-B3B34608EDEC}" type="datetimeFigureOut">
+            <a:fld id="{9D500D2F-7107-4DAA-838B-73FF36617F64}" type="datetimeFigureOut">
               <a:rPr lang="zh-CN" altLang="en-US" smtClean="0"/>
               <a:t>2024/3/10</a:t>
             </a:fld>
@@ -869,7 +869,7 @@
           <p:cNvPr id="5" name="页脚占位符 4">
             <a:extLst>
               <a:ext uri="{FF2B5EF4-FFF2-40B4-BE49-F238E27FC236}">
-                <a16:creationId xmlns:a16="http://schemas.microsoft.com/office/drawing/2014/main" id="{E137D985-F91C-37AC-2BAF-C42AE5DEA737}"/>
+                <a16:creationId xmlns:a16="http://schemas.microsoft.com/office/drawing/2014/main" id="{52D5D2F5-06C0-4ADF-D25D-3D53DA315904}"/>
               </a:ext>
             </a:extLst>
           </p:cNvPr>
@@ -894,7 +894,7 @@
           <p:cNvPr id="6" name="灯片编号占位符 5">
             <a:extLst>
               <a:ext uri="{FF2B5EF4-FFF2-40B4-BE49-F238E27FC236}">
-                <a16:creationId xmlns:a16="http://schemas.microsoft.com/office/drawing/2014/main" id="{8C359CE0-3AAB-33F0-6C64-0DD903E2975F}"/>
+                <a16:creationId xmlns:a16="http://schemas.microsoft.com/office/drawing/2014/main" id="{5592A054-616C-7BED-BB5D-E7AA51C32CCB}"/>
               </a:ext>
             </a:extLst>
           </p:cNvPr>
@@ -910,7 +910,7 @@
           <a:bodyPr/>
           <a:lstStyle/>
           <a:p>
-            <a:fld id="{3D29E76B-7B53-4B5C-ACD8-42EDBD0D4A6B}" type="slidenum">
+            <a:fld id="{FB840136-6F12-4CAB-A752-9063F8E637DC}" type="slidenum">
               <a:rPr lang="zh-CN" altLang="en-US" smtClean="0"/>
               <a:t>‹#›</a:t>
             </a:fld>
@@ -921,7 +921,7 @@
     </p:spTree>
     <p:extLst>
       <p:ext uri="{BB962C8B-B14F-4D97-AF65-F5344CB8AC3E}">
-        <p14:creationId xmlns:p14="http://schemas.microsoft.com/office/powerpoint/2010/main" val="2397132521"/>
+        <p14:creationId xmlns:p14="http://schemas.microsoft.com/office/powerpoint/2010/main" val="3829693623"/>
       </p:ext>
     </p:extLst>
   </p:cSld>
@@ -953,7 +953,7 @@
           <p:cNvPr id="2" name="标题 1">
             <a:extLst>
               <a:ext uri="{FF2B5EF4-FFF2-40B4-BE49-F238E27FC236}">
-                <a16:creationId xmlns:a16="http://schemas.microsoft.com/office/drawing/2014/main" id="{2365151B-8027-C3B1-48FE-051D65D60544}"/>
+                <a16:creationId xmlns:a16="http://schemas.microsoft.com/office/drawing/2014/main" id="{94941B47-9ED8-B543-5D27-2DE415936097}"/>
               </a:ext>
             </a:extLst>
           </p:cNvPr>
@@ -990,7 +990,7 @@
           <p:cNvPr id="3" name="文本占位符 2">
             <a:extLst>
               <a:ext uri="{FF2B5EF4-FFF2-40B4-BE49-F238E27FC236}">
-                <a16:creationId xmlns:a16="http://schemas.microsoft.com/office/drawing/2014/main" id="{E076BEB9-E566-230D-7118-66419E3A06FD}"/>
+                <a16:creationId xmlns:a16="http://schemas.microsoft.com/office/drawing/2014/main" id="{7FBA99D8-7B56-0613-F4AE-5D95589F84E4}"/>
               </a:ext>
             </a:extLst>
           </p:cNvPr>
@@ -1115,7 +1115,7 @@
           <p:cNvPr id="4" name="日期占位符 3">
             <a:extLst>
               <a:ext uri="{FF2B5EF4-FFF2-40B4-BE49-F238E27FC236}">
-                <a16:creationId xmlns:a16="http://schemas.microsoft.com/office/drawing/2014/main" id="{3F67B3D6-A0FE-8FC7-D0C2-136C808AD5FB}"/>
+                <a16:creationId xmlns:a16="http://schemas.microsoft.com/office/drawing/2014/main" id="{C775BBDB-3EEB-690D-DBC3-3F32EAD7540C}"/>
               </a:ext>
             </a:extLst>
           </p:cNvPr>
@@ -1131,7 +1131,7 @@
           <a:bodyPr/>
           <a:lstStyle/>
           <a:p>
-            <a:fld id="{F02B755E-E8D3-4E89-9330-B3B34608EDEC}" type="datetimeFigureOut">
+            <a:fld id="{9D500D2F-7107-4DAA-838B-73FF36617F64}" type="datetimeFigureOut">
               <a:rPr lang="zh-CN" altLang="en-US" smtClean="0"/>
               <a:t>2024/3/10</a:t>
             </a:fld>
@@ -1144,7 +1144,7 @@
           <p:cNvPr id="5" name="页脚占位符 4">
             <a:extLst>
               <a:ext uri="{FF2B5EF4-FFF2-40B4-BE49-F238E27FC236}">
-                <a16:creationId xmlns:a16="http://schemas.microsoft.com/office/drawing/2014/main" id="{7485C2A8-FC1D-E406-EDBC-B8C6EE133EF8}"/>
+                <a16:creationId xmlns:a16="http://schemas.microsoft.com/office/drawing/2014/main" id="{0267C569-B605-663F-40FF-C3B0D0AA7ACF}"/>
               </a:ext>
             </a:extLst>
           </p:cNvPr>
@@ -1169,7 +1169,7 @@
           <p:cNvPr id="6" name="灯片编号占位符 5">
             <a:extLst>
               <a:ext uri="{FF2B5EF4-FFF2-40B4-BE49-F238E27FC236}">
-                <a16:creationId xmlns:a16="http://schemas.microsoft.com/office/drawing/2014/main" id="{3440BDC1-66DC-225D-9A39-B2057F9B2ACD}"/>
+                <a16:creationId xmlns:a16="http://schemas.microsoft.com/office/drawing/2014/main" id="{78EC913B-86C8-2548-8919-6BD291DD41B3}"/>
               </a:ext>
             </a:extLst>
           </p:cNvPr>
@@ -1185,7 +1185,7 @@
           <a:bodyPr/>
           <a:lstStyle/>
           <a:p>
-            <a:fld id="{3D29E76B-7B53-4B5C-ACD8-42EDBD0D4A6B}" type="slidenum">
+            <a:fld id="{FB840136-6F12-4CAB-A752-9063F8E637DC}" type="slidenum">
               <a:rPr lang="zh-CN" altLang="en-US" smtClean="0"/>
               <a:t>‹#›</a:t>
             </a:fld>
@@ -1196,7 +1196,7 @@
     </p:spTree>
     <p:extLst>
       <p:ext uri="{BB962C8B-B14F-4D97-AF65-F5344CB8AC3E}">
-        <p14:creationId xmlns:p14="http://schemas.microsoft.com/office/powerpoint/2010/main" val="1339036331"/>
+        <p14:creationId xmlns:p14="http://schemas.microsoft.com/office/powerpoint/2010/main" val="3655287873"/>
       </p:ext>
     </p:extLst>
   </p:cSld>
@@ -1228,7 +1228,7 @@
           <p:cNvPr id="2" name="标题 1">
             <a:extLst>
               <a:ext uri="{FF2B5EF4-FFF2-40B4-BE49-F238E27FC236}">
-                <a16:creationId xmlns:a16="http://schemas.microsoft.com/office/drawing/2014/main" id="{634C94EE-CD23-2430-0FC8-FB0A32E7E356}"/>
+                <a16:creationId xmlns:a16="http://schemas.microsoft.com/office/drawing/2014/main" id="{20B06490-165F-5DFD-22E7-4759FA77CF36}"/>
               </a:ext>
             </a:extLst>
           </p:cNvPr>
@@ -1256,7 +1256,7 @@
           <p:cNvPr id="3" name="内容占位符 2">
             <a:extLst>
               <a:ext uri="{FF2B5EF4-FFF2-40B4-BE49-F238E27FC236}">
-                <a16:creationId xmlns:a16="http://schemas.microsoft.com/office/drawing/2014/main" id="{F45ED522-6860-337A-6B23-AEE70CC61F26}"/>
+                <a16:creationId xmlns:a16="http://schemas.microsoft.com/office/drawing/2014/main" id="{4DB40F12-8353-5108-2C59-594A9F00E2C4}"/>
               </a:ext>
             </a:extLst>
           </p:cNvPr>
@@ -1318,7 +1318,7 @@
           <p:cNvPr id="4" name="内容占位符 3">
             <a:extLst>
               <a:ext uri="{FF2B5EF4-FFF2-40B4-BE49-F238E27FC236}">
-                <a16:creationId xmlns:a16="http://schemas.microsoft.com/office/drawing/2014/main" id="{EE0A71F4-3CDB-264F-C9C4-FCB34752967C}"/>
+                <a16:creationId xmlns:a16="http://schemas.microsoft.com/office/drawing/2014/main" id="{F7F15D75-68A5-2D27-0FFD-03D07FB272F2}"/>
               </a:ext>
             </a:extLst>
           </p:cNvPr>
@@ -1380,7 +1380,7 @@
           <p:cNvPr id="5" name="日期占位符 4">
             <a:extLst>
               <a:ext uri="{FF2B5EF4-FFF2-40B4-BE49-F238E27FC236}">
-                <a16:creationId xmlns:a16="http://schemas.microsoft.com/office/drawing/2014/main" id="{8C77C459-3111-5867-6346-FFD98F822B71}"/>
+                <a16:creationId xmlns:a16="http://schemas.microsoft.com/office/drawing/2014/main" id="{816B770D-345E-35F5-4442-65087C65BE7A}"/>
               </a:ext>
             </a:extLst>
           </p:cNvPr>
@@ -1396,7 +1396,7 @@
           <a:bodyPr/>
           <a:lstStyle/>
           <a:p>
-            <a:fld id="{F02B755E-E8D3-4E89-9330-B3B34608EDEC}" type="datetimeFigureOut">
+            <a:fld id="{9D500D2F-7107-4DAA-838B-73FF36617F64}" type="datetimeFigureOut">
               <a:rPr lang="zh-CN" altLang="en-US" smtClean="0"/>
               <a:t>2024/3/10</a:t>
             </a:fld>
@@ -1409,7 +1409,7 @@
           <p:cNvPr id="6" name="页脚占位符 5">
             <a:extLst>
               <a:ext uri="{FF2B5EF4-FFF2-40B4-BE49-F238E27FC236}">
-                <a16:creationId xmlns:a16="http://schemas.microsoft.com/office/drawing/2014/main" id="{64CE01D4-22F2-46BA-256C-BBFF6AFD1339}"/>
+                <a16:creationId xmlns:a16="http://schemas.microsoft.com/office/drawing/2014/main" id="{6CD0D133-019F-0D6E-B331-870DC9F9377B}"/>
               </a:ext>
             </a:extLst>
           </p:cNvPr>
@@ -1434,7 +1434,7 @@
           <p:cNvPr id="7" name="灯片编号占位符 6">
             <a:extLst>
               <a:ext uri="{FF2B5EF4-FFF2-40B4-BE49-F238E27FC236}">
-                <a16:creationId xmlns:a16="http://schemas.microsoft.com/office/drawing/2014/main" id="{B978DAD0-A296-CA1D-21EF-101FD10D7D52}"/>
+                <a16:creationId xmlns:a16="http://schemas.microsoft.com/office/drawing/2014/main" id="{5896692E-684F-FB86-F0EF-E0843B219C64}"/>
               </a:ext>
             </a:extLst>
           </p:cNvPr>
@@ -1450,7 +1450,7 @@
           <a:bodyPr/>
           <a:lstStyle/>
           <a:p>
-            <a:fld id="{3D29E76B-7B53-4B5C-ACD8-42EDBD0D4A6B}" type="slidenum">
+            <a:fld id="{FB840136-6F12-4CAB-A752-9063F8E637DC}" type="slidenum">
               <a:rPr lang="zh-CN" altLang="en-US" smtClean="0"/>
               <a:t>‹#›</a:t>
             </a:fld>
@@ -1461,7 +1461,7 @@
     </p:spTree>
     <p:extLst>
       <p:ext uri="{BB962C8B-B14F-4D97-AF65-F5344CB8AC3E}">
-        <p14:creationId xmlns:p14="http://schemas.microsoft.com/office/powerpoint/2010/main" val="233702174"/>
+        <p14:creationId xmlns:p14="http://schemas.microsoft.com/office/powerpoint/2010/main" val="2695836641"/>
       </p:ext>
     </p:extLst>
   </p:cSld>
@@ -1493,7 +1493,7 @@
           <p:cNvPr id="2" name="标题 1">
             <a:extLst>
               <a:ext uri="{FF2B5EF4-FFF2-40B4-BE49-F238E27FC236}">
-                <a16:creationId xmlns:a16="http://schemas.microsoft.com/office/drawing/2014/main" id="{368CA931-7FB1-262B-F175-4D6C7F62165C}"/>
+                <a16:creationId xmlns:a16="http://schemas.microsoft.com/office/drawing/2014/main" id="{8B2480A6-3984-A943-6C87-B6EAAE8E3BB2}"/>
               </a:ext>
             </a:extLst>
           </p:cNvPr>
@@ -1526,7 +1526,7 @@
           <p:cNvPr id="3" name="文本占位符 2">
             <a:extLst>
               <a:ext uri="{FF2B5EF4-FFF2-40B4-BE49-F238E27FC236}">
-                <a16:creationId xmlns:a16="http://schemas.microsoft.com/office/drawing/2014/main" id="{73736104-FD0B-9011-06F5-DA7716CCE3D7}"/>
+                <a16:creationId xmlns:a16="http://schemas.microsoft.com/office/drawing/2014/main" id="{D01F9BA3-A468-62DB-9ACF-B84FA44C1113}"/>
               </a:ext>
             </a:extLst>
           </p:cNvPr>
@@ -1597,7 +1597,7 @@
           <p:cNvPr id="4" name="内容占位符 3">
             <a:extLst>
               <a:ext uri="{FF2B5EF4-FFF2-40B4-BE49-F238E27FC236}">
-                <a16:creationId xmlns:a16="http://schemas.microsoft.com/office/drawing/2014/main" id="{77AAB64D-BFFF-441A-6679-E7DBE5448BA2}"/>
+                <a16:creationId xmlns:a16="http://schemas.microsoft.com/office/drawing/2014/main" id="{8E1A1A72-A376-EA4C-9485-F5307383746B}"/>
               </a:ext>
             </a:extLst>
           </p:cNvPr>
@@ -1659,7 +1659,7 @@
           <p:cNvPr id="5" name="文本占位符 4">
             <a:extLst>
               <a:ext uri="{FF2B5EF4-FFF2-40B4-BE49-F238E27FC236}">
-                <a16:creationId xmlns:a16="http://schemas.microsoft.com/office/drawing/2014/main" id="{0C13F059-4A2A-F1AF-7B33-6721787E5043}"/>
+                <a16:creationId xmlns:a16="http://schemas.microsoft.com/office/drawing/2014/main" id="{069DEE32-9B5A-1E2D-1AB1-1D5C41A4DF23}"/>
               </a:ext>
             </a:extLst>
           </p:cNvPr>
@@ -1730,7 +1730,7 @@
           <p:cNvPr id="6" name="内容占位符 5">
             <a:extLst>
               <a:ext uri="{FF2B5EF4-FFF2-40B4-BE49-F238E27FC236}">
-                <a16:creationId xmlns:a16="http://schemas.microsoft.com/office/drawing/2014/main" id="{EC1333DB-0ADF-382A-BDF1-F174519EEA36}"/>
+                <a16:creationId xmlns:a16="http://schemas.microsoft.com/office/drawing/2014/main" id="{EEE76BF3-E4D0-FFBB-D96B-E6A3C840C75C}"/>
               </a:ext>
             </a:extLst>
           </p:cNvPr>
@@ -1792,7 +1792,7 @@
           <p:cNvPr id="7" name="日期占位符 6">
             <a:extLst>
               <a:ext uri="{FF2B5EF4-FFF2-40B4-BE49-F238E27FC236}">
-                <a16:creationId xmlns:a16="http://schemas.microsoft.com/office/drawing/2014/main" id="{2ADD7573-9CCB-9A21-42E5-123A248ACCF3}"/>
+                <a16:creationId xmlns:a16="http://schemas.microsoft.com/office/drawing/2014/main" id="{9DA95A95-E50C-CA3E-6E92-F9835825A2EE}"/>
               </a:ext>
             </a:extLst>
           </p:cNvPr>
@@ -1808,7 +1808,7 @@
           <a:bodyPr/>
           <a:lstStyle/>
           <a:p>
-            <a:fld id="{F02B755E-E8D3-4E89-9330-B3B34608EDEC}" type="datetimeFigureOut">
+            <a:fld id="{9D500D2F-7107-4DAA-838B-73FF36617F64}" type="datetimeFigureOut">
               <a:rPr lang="zh-CN" altLang="en-US" smtClean="0"/>
               <a:t>2024/3/10</a:t>
             </a:fld>
@@ -1821,7 +1821,7 @@
           <p:cNvPr id="8" name="页脚占位符 7">
             <a:extLst>
               <a:ext uri="{FF2B5EF4-FFF2-40B4-BE49-F238E27FC236}">
-                <a16:creationId xmlns:a16="http://schemas.microsoft.com/office/drawing/2014/main" id="{DC49A1EC-52C7-D042-E101-7B4E729D52C3}"/>
+                <a16:creationId xmlns:a16="http://schemas.microsoft.com/office/drawing/2014/main" id="{89DB1EAE-31A1-9016-7932-ECD477DC527F}"/>
               </a:ext>
             </a:extLst>
           </p:cNvPr>
@@ -1846,7 +1846,7 @@
           <p:cNvPr id="9" name="灯片编号占位符 8">
             <a:extLst>
               <a:ext uri="{FF2B5EF4-FFF2-40B4-BE49-F238E27FC236}">
-                <a16:creationId xmlns:a16="http://schemas.microsoft.com/office/drawing/2014/main" id="{1368AEE1-3EAE-EB07-8880-9F9BEB290B30}"/>
+                <a16:creationId xmlns:a16="http://schemas.microsoft.com/office/drawing/2014/main" id="{AF208F4E-DD08-6C47-11E1-E4D6C5BE072C}"/>
               </a:ext>
             </a:extLst>
           </p:cNvPr>
@@ -1862,7 +1862,7 @@
           <a:bodyPr/>
           <a:lstStyle/>
           <a:p>
-            <a:fld id="{3D29E76B-7B53-4B5C-ACD8-42EDBD0D4A6B}" type="slidenum">
+            <a:fld id="{FB840136-6F12-4CAB-A752-9063F8E637DC}" type="slidenum">
               <a:rPr lang="zh-CN" altLang="en-US" smtClean="0"/>
               <a:t>‹#›</a:t>
             </a:fld>
@@ -1873,7 +1873,7 @@
     </p:spTree>
     <p:extLst>
       <p:ext uri="{BB962C8B-B14F-4D97-AF65-F5344CB8AC3E}">
-        <p14:creationId xmlns:p14="http://schemas.microsoft.com/office/powerpoint/2010/main" val="3507526784"/>
+        <p14:creationId xmlns:p14="http://schemas.microsoft.com/office/powerpoint/2010/main" val="1848350394"/>
       </p:ext>
     </p:extLst>
   </p:cSld>
@@ -1905,7 +1905,7 @@
           <p:cNvPr id="2" name="标题 1">
             <a:extLst>
               <a:ext uri="{FF2B5EF4-FFF2-40B4-BE49-F238E27FC236}">
-                <a16:creationId xmlns:a16="http://schemas.microsoft.com/office/drawing/2014/main" id="{5DE74F53-C4AC-250A-810C-07DBDC647A84}"/>
+                <a16:creationId xmlns:a16="http://schemas.microsoft.com/office/drawing/2014/main" id="{FF2886AB-F05E-C3F7-4330-569147E2ADA0}"/>
               </a:ext>
             </a:extLst>
           </p:cNvPr>
@@ -1933,7 +1933,7 @@
           <p:cNvPr id="3" name="日期占位符 2">
             <a:extLst>
               <a:ext uri="{FF2B5EF4-FFF2-40B4-BE49-F238E27FC236}">
-                <a16:creationId xmlns:a16="http://schemas.microsoft.com/office/drawing/2014/main" id="{0BB13885-B892-D9EA-FA83-782A25F4D1F3}"/>
+                <a16:creationId xmlns:a16="http://schemas.microsoft.com/office/drawing/2014/main" id="{E5B11BC2-6694-BCFB-D9D4-C75E21FCD6F2}"/>
               </a:ext>
             </a:extLst>
           </p:cNvPr>
@@ -1949,7 +1949,7 @@
           <a:bodyPr/>
           <a:lstStyle/>
           <a:p>
-            <a:fld id="{F02B755E-E8D3-4E89-9330-B3B34608EDEC}" type="datetimeFigureOut">
+            <a:fld id="{9D500D2F-7107-4DAA-838B-73FF36617F64}" type="datetimeFigureOut">
               <a:rPr lang="zh-CN" altLang="en-US" smtClean="0"/>
               <a:t>2024/3/10</a:t>
             </a:fld>
@@ -1962,7 +1962,7 @@
           <p:cNvPr id="4" name="页脚占位符 3">
             <a:extLst>
               <a:ext uri="{FF2B5EF4-FFF2-40B4-BE49-F238E27FC236}">
-                <a16:creationId xmlns:a16="http://schemas.microsoft.com/office/drawing/2014/main" id="{C8123C65-7EAA-8C1E-9C2C-7BB82E8631E8}"/>
+                <a16:creationId xmlns:a16="http://schemas.microsoft.com/office/drawing/2014/main" id="{945D1ABA-FB42-4C69-983B-DF55358439D3}"/>
               </a:ext>
             </a:extLst>
           </p:cNvPr>
@@ -1987,7 +1987,7 @@
           <p:cNvPr id="5" name="灯片编号占位符 4">
             <a:extLst>
               <a:ext uri="{FF2B5EF4-FFF2-40B4-BE49-F238E27FC236}">
-                <a16:creationId xmlns:a16="http://schemas.microsoft.com/office/drawing/2014/main" id="{17BBE83F-6628-7937-44E9-B65463D0EFD7}"/>
+                <a16:creationId xmlns:a16="http://schemas.microsoft.com/office/drawing/2014/main" id="{E57FCEB7-3A3F-9746-B31E-26C9415942BD}"/>
               </a:ext>
             </a:extLst>
           </p:cNvPr>
@@ -2003,7 +2003,7 @@
           <a:bodyPr/>
           <a:lstStyle/>
           <a:p>
-            <a:fld id="{3D29E76B-7B53-4B5C-ACD8-42EDBD0D4A6B}" type="slidenum">
+            <a:fld id="{FB840136-6F12-4CAB-A752-9063F8E637DC}" type="slidenum">
               <a:rPr lang="zh-CN" altLang="en-US" smtClean="0"/>
               <a:t>‹#›</a:t>
             </a:fld>
@@ -2014,7 +2014,7 @@
     </p:spTree>
     <p:extLst>
       <p:ext uri="{BB962C8B-B14F-4D97-AF65-F5344CB8AC3E}">
-        <p14:creationId xmlns:p14="http://schemas.microsoft.com/office/powerpoint/2010/main" val="3580859108"/>
+        <p14:creationId xmlns:p14="http://schemas.microsoft.com/office/powerpoint/2010/main" val="1435829931"/>
       </p:ext>
     </p:extLst>
   </p:cSld>
@@ -2046,7 +2046,7 @@
           <p:cNvPr id="2" name="日期占位符 1">
             <a:extLst>
               <a:ext uri="{FF2B5EF4-FFF2-40B4-BE49-F238E27FC236}">
-                <a16:creationId xmlns:a16="http://schemas.microsoft.com/office/drawing/2014/main" id="{7CCA611F-878C-E7DE-B4F6-10EA4F87B20B}"/>
+                <a16:creationId xmlns:a16="http://schemas.microsoft.com/office/drawing/2014/main" id="{842209E5-0A03-2988-1C0C-0C52C8FA582E}"/>
               </a:ext>
             </a:extLst>
           </p:cNvPr>
@@ -2062,7 +2062,7 @@
           <a:bodyPr/>
           <a:lstStyle/>
           <a:p>
-            <a:fld id="{F02B755E-E8D3-4E89-9330-B3B34608EDEC}" type="datetimeFigureOut">
+            <a:fld id="{9D500D2F-7107-4DAA-838B-73FF36617F64}" type="datetimeFigureOut">
               <a:rPr lang="zh-CN" altLang="en-US" smtClean="0"/>
               <a:t>2024/3/10</a:t>
             </a:fld>
@@ -2075,7 +2075,7 @@
           <p:cNvPr id="3" name="页脚占位符 2">
             <a:extLst>
               <a:ext uri="{FF2B5EF4-FFF2-40B4-BE49-F238E27FC236}">
-                <a16:creationId xmlns:a16="http://schemas.microsoft.com/office/drawing/2014/main" id="{92C66226-1678-D0B4-C1D3-1BD56ACC00E0}"/>
+                <a16:creationId xmlns:a16="http://schemas.microsoft.com/office/drawing/2014/main" id="{670B7CF4-8A89-1C54-60FF-CB5F583CA4BC}"/>
               </a:ext>
             </a:extLst>
           </p:cNvPr>
@@ -2100,7 +2100,7 @@
           <p:cNvPr id="4" name="灯片编号占位符 3">
             <a:extLst>
               <a:ext uri="{FF2B5EF4-FFF2-40B4-BE49-F238E27FC236}">
-                <a16:creationId xmlns:a16="http://schemas.microsoft.com/office/drawing/2014/main" id="{722108EC-ED99-2604-C2C7-35D2DF4BD0C7}"/>
+                <a16:creationId xmlns:a16="http://schemas.microsoft.com/office/drawing/2014/main" id="{3884AFBA-6378-82CD-C03C-FC8A1AD66158}"/>
               </a:ext>
             </a:extLst>
           </p:cNvPr>
@@ -2116,7 +2116,7 @@
           <a:bodyPr/>
           <a:lstStyle/>
           <a:p>
-            <a:fld id="{3D29E76B-7B53-4B5C-ACD8-42EDBD0D4A6B}" type="slidenum">
+            <a:fld id="{FB840136-6F12-4CAB-A752-9063F8E637DC}" type="slidenum">
               <a:rPr lang="zh-CN" altLang="en-US" smtClean="0"/>
               <a:t>‹#›</a:t>
             </a:fld>
@@ -2127,7 +2127,7 @@
     </p:spTree>
     <p:extLst>
       <p:ext uri="{BB962C8B-B14F-4D97-AF65-F5344CB8AC3E}">
-        <p14:creationId xmlns:p14="http://schemas.microsoft.com/office/powerpoint/2010/main" val="1640321730"/>
+        <p14:creationId xmlns:p14="http://schemas.microsoft.com/office/powerpoint/2010/main" val="568195018"/>
       </p:ext>
     </p:extLst>
   </p:cSld>
@@ -2159,7 +2159,7 @@
           <p:cNvPr id="2" name="标题 1">
             <a:extLst>
               <a:ext uri="{FF2B5EF4-FFF2-40B4-BE49-F238E27FC236}">
-                <a16:creationId xmlns:a16="http://schemas.microsoft.com/office/drawing/2014/main" id="{34155613-B885-13C8-2F4C-B8D188E089AC}"/>
+                <a16:creationId xmlns:a16="http://schemas.microsoft.com/office/drawing/2014/main" id="{3763CF82-4141-D527-D018-A698A45FB8D3}"/>
               </a:ext>
             </a:extLst>
           </p:cNvPr>
@@ -2196,7 +2196,7 @@
           <p:cNvPr id="3" name="内容占位符 2">
             <a:extLst>
               <a:ext uri="{FF2B5EF4-FFF2-40B4-BE49-F238E27FC236}">
-                <a16:creationId xmlns:a16="http://schemas.microsoft.com/office/drawing/2014/main" id="{C7BA9407-C159-E620-37F5-2ECB82D780C0}"/>
+                <a16:creationId xmlns:a16="http://schemas.microsoft.com/office/drawing/2014/main" id="{7335C5F7-76CD-CB7F-C75A-87470F946E03}"/>
               </a:ext>
             </a:extLst>
           </p:cNvPr>
@@ -2286,7 +2286,7 @@
           <p:cNvPr id="4" name="文本占位符 3">
             <a:extLst>
               <a:ext uri="{FF2B5EF4-FFF2-40B4-BE49-F238E27FC236}">
-                <a16:creationId xmlns:a16="http://schemas.microsoft.com/office/drawing/2014/main" id="{4DFA86D3-D148-A7E7-5B2D-24B0A835267A}"/>
+                <a16:creationId xmlns:a16="http://schemas.microsoft.com/office/drawing/2014/main" id="{57099166-3DE0-9D0D-BCEF-50C8FBEE61FC}"/>
               </a:ext>
             </a:extLst>
           </p:cNvPr>
@@ -2357,7 +2357,7 @@
           <p:cNvPr id="5" name="日期占位符 4">
             <a:extLst>
               <a:ext uri="{FF2B5EF4-FFF2-40B4-BE49-F238E27FC236}">
-                <a16:creationId xmlns:a16="http://schemas.microsoft.com/office/drawing/2014/main" id="{59FD8AD6-0074-0A11-0502-EE952E55EE9E}"/>
+                <a16:creationId xmlns:a16="http://schemas.microsoft.com/office/drawing/2014/main" id="{D0A3F1B6-E801-C3D8-F546-EB5837928704}"/>
               </a:ext>
             </a:extLst>
           </p:cNvPr>
@@ -2373,7 +2373,7 @@
           <a:bodyPr/>
           <a:lstStyle/>
           <a:p>
-            <a:fld id="{F02B755E-E8D3-4E89-9330-B3B34608EDEC}" type="datetimeFigureOut">
+            <a:fld id="{9D500D2F-7107-4DAA-838B-73FF36617F64}" type="datetimeFigureOut">
               <a:rPr lang="zh-CN" altLang="en-US" smtClean="0"/>
               <a:t>2024/3/10</a:t>
             </a:fld>
@@ -2386,7 +2386,7 @@
           <p:cNvPr id="6" name="页脚占位符 5">
             <a:extLst>
               <a:ext uri="{FF2B5EF4-FFF2-40B4-BE49-F238E27FC236}">
-                <a16:creationId xmlns:a16="http://schemas.microsoft.com/office/drawing/2014/main" id="{7200D4EA-726B-55CE-B66A-E5DC6844EB80}"/>
+                <a16:creationId xmlns:a16="http://schemas.microsoft.com/office/drawing/2014/main" id="{14DC7E9D-620F-66D1-0D06-0496906FF826}"/>
               </a:ext>
             </a:extLst>
           </p:cNvPr>
@@ -2411,7 +2411,7 @@
           <p:cNvPr id="7" name="灯片编号占位符 6">
             <a:extLst>
               <a:ext uri="{FF2B5EF4-FFF2-40B4-BE49-F238E27FC236}">
-                <a16:creationId xmlns:a16="http://schemas.microsoft.com/office/drawing/2014/main" id="{6F8C9905-4950-5DE7-DE23-F9DC305E7A7D}"/>
+                <a16:creationId xmlns:a16="http://schemas.microsoft.com/office/drawing/2014/main" id="{9B48A52D-08D1-FDC0-4D31-B5FCD1CF90A8}"/>
               </a:ext>
             </a:extLst>
           </p:cNvPr>
@@ -2427,7 +2427,7 @@
           <a:bodyPr/>
           <a:lstStyle/>
           <a:p>
-            <a:fld id="{3D29E76B-7B53-4B5C-ACD8-42EDBD0D4A6B}" type="slidenum">
+            <a:fld id="{FB840136-6F12-4CAB-A752-9063F8E637DC}" type="slidenum">
               <a:rPr lang="zh-CN" altLang="en-US" smtClean="0"/>
               <a:t>‹#›</a:t>
             </a:fld>
@@ -2438,7 +2438,7 @@
     </p:spTree>
     <p:extLst>
       <p:ext uri="{BB962C8B-B14F-4D97-AF65-F5344CB8AC3E}">
-        <p14:creationId xmlns:p14="http://schemas.microsoft.com/office/powerpoint/2010/main" val="1515661755"/>
+        <p14:creationId xmlns:p14="http://schemas.microsoft.com/office/powerpoint/2010/main" val="992636020"/>
       </p:ext>
     </p:extLst>
   </p:cSld>
@@ -2470,7 +2470,7 @@
           <p:cNvPr id="2" name="标题 1">
             <a:extLst>
               <a:ext uri="{FF2B5EF4-FFF2-40B4-BE49-F238E27FC236}">
-                <a16:creationId xmlns:a16="http://schemas.microsoft.com/office/drawing/2014/main" id="{7FC0EEC9-533A-D66E-3BE2-F52DA56F37DE}"/>
+                <a16:creationId xmlns:a16="http://schemas.microsoft.com/office/drawing/2014/main" id="{5FADABD1-BAF9-721C-51D4-379BEF1AA912}"/>
               </a:ext>
             </a:extLst>
           </p:cNvPr>
@@ -2507,7 +2507,7 @@
           <p:cNvPr id="3" name="图片占位符 2">
             <a:extLst>
               <a:ext uri="{FF2B5EF4-FFF2-40B4-BE49-F238E27FC236}">
-                <a16:creationId xmlns:a16="http://schemas.microsoft.com/office/drawing/2014/main" id="{5511B310-88A4-AFE9-190A-48EB6F479317}"/>
+                <a16:creationId xmlns:a16="http://schemas.microsoft.com/office/drawing/2014/main" id="{99C38B1F-E05D-7063-F7AE-ECCED2E2C526}"/>
               </a:ext>
             </a:extLst>
           </p:cNvPr>
@@ -2574,7 +2574,7 @@
           <p:cNvPr id="4" name="文本占位符 3">
             <a:extLst>
               <a:ext uri="{FF2B5EF4-FFF2-40B4-BE49-F238E27FC236}">
-                <a16:creationId xmlns:a16="http://schemas.microsoft.com/office/drawing/2014/main" id="{E12CFCD9-EC43-5F9D-7F27-0F6A6D4C1BB5}"/>
+                <a16:creationId xmlns:a16="http://schemas.microsoft.com/office/drawing/2014/main" id="{B14A3D33-71BD-53FF-433C-CCB25897FFCE}"/>
               </a:ext>
             </a:extLst>
           </p:cNvPr>
@@ -2645,7 +2645,7 @@
           <p:cNvPr id="5" name="日期占位符 4">
             <a:extLst>
               <a:ext uri="{FF2B5EF4-FFF2-40B4-BE49-F238E27FC236}">
-                <a16:creationId xmlns:a16="http://schemas.microsoft.com/office/drawing/2014/main" id="{653587F2-AC4D-7F80-E7F2-A01A08D82339}"/>
+                <a16:creationId xmlns:a16="http://schemas.microsoft.com/office/drawing/2014/main" id="{9CD95F50-3CF7-2C5B-6DF3-FAB99307A7D4}"/>
               </a:ext>
             </a:extLst>
           </p:cNvPr>
@@ -2661,7 +2661,7 @@
           <a:bodyPr/>
           <a:lstStyle/>
           <a:p>
-            <a:fld id="{F02B755E-E8D3-4E89-9330-B3B34608EDEC}" type="datetimeFigureOut">
+            <a:fld id="{9D500D2F-7107-4DAA-838B-73FF36617F64}" type="datetimeFigureOut">
               <a:rPr lang="zh-CN" altLang="en-US" smtClean="0"/>
               <a:t>2024/3/10</a:t>
             </a:fld>
@@ -2674,7 +2674,7 @@
           <p:cNvPr id="6" name="页脚占位符 5">
             <a:extLst>
               <a:ext uri="{FF2B5EF4-FFF2-40B4-BE49-F238E27FC236}">
-                <a16:creationId xmlns:a16="http://schemas.microsoft.com/office/drawing/2014/main" id="{6FB73153-E7DD-FB22-8D6A-FC952C930EAF}"/>
+                <a16:creationId xmlns:a16="http://schemas.microsoft.com/office/drawing/2014/main" id="{F8B7EEDD-2076-D250-9CAF-2414A3CF6F64}"/>
               </a:ext>
             </a:extLst>
           </p:cNvPr>
@@ -2699,7 +2699,7 @@
           <p:cNvPr id="7" name="灯片编号占位符 6">
             <a:extLst>
               <a:ext uri="{FF2B5EF4-FFF2-40B4-BE49-F238E27FC236}">
-                <a16:creationId xmlns:a16="http://schemas.microsoft.com/office/drawing/2014/main" id="{D6572B2F-0CBB-9440-B5EF-5A27A12E8423}"/>
+                <a16:creationId xmlns:a16="http://schemas.microsoft.com/office/drawing/2014/main" id="{88714FBF-3C49-65ED-CD3B-432D1B75645A}"/>
               </a:ext>
             </a:extLst>
           </p:cNvPr>
@@ -2715,7 +2715,7 @@
           <a:bodyPr/>
           <a:lstStyle/>
           <a:p>
-            <a:fld id="{3D29E76B-7B53-4B5C-ACD8-42EDBD0D4A6B}" type="slidenum">
+            <a:fld id="{FB840136-6F12-4CAB-A752-9063F8E637DC}" type="slidenum">
               <a:rPr lang="zh-CN" altLang="en-US" smtClean="0"/>
               <a:t>‹#›</a:t>
             </a:fld>
@@ -2726,7 +2726,7 @@
     </p:spTree>
     <p:extLst>
       <p:ext uri="{BB962C8B-B14F-4D97-AF65-F5344CB8AC3E}">
-        <p14:creationId xmlns:p14="http://schemas.microsoft.com/office/powerpoint/2010/main" val="1215310576"/>
+        <p14:creationId xmlns:p14="http://schemas.microsoft.com/office/powerpoint/2010/main" val="2512283095"/>
       </p:ext>
     </p:extLst>
   </p:cSld>
@@ -2763,7 +2763,7 @@
           <p:cNvPr id="2" name="标题占位符 1">
             <a:extLst>
               <a:ext uri="{FF2B5EF4-FFF2-40B4-BE49-F238E27FC236}">
-                <a16:creationId xmlns:a16="http://schemas.microsoft.com/office/drawing/2014/main" id="{B0799405-0674-9E48-508B-AE55045D1C2E}"/>
+                <a16:creationId xmlns:a16="http://schemas.microsoft.com/office/drawing/2014/main" id="{D16FD704-9C6C-C279-7898-2B0E965D7258}"/>
               </a:ext>
             </a:extLst>
           </p:cNvPr>
@@ -2801,7 +2801,7 @@
           <p:cNvPr id="3" name="文本占位符 2">
             <a:extLst>
               <a:ext uri="{FF2B5EF4-FFF2-40B4-BE49-F238E27FC236}">
-                <a16:creationId xmlns:a16="http://schemas.microsoft.com/office/drawing/2014/main" id="{65DAF964-37E8-8947-2497-E47182AA7FBE}"/>
+                <a16:creationId xmlns:a16="http://schemas.microsoft.com/office/drawing/2014/main" id="{4F2D2D6B-CDF3-07E1-53B8-9E1577AD0FC6}"/>
               </a:ext>
             </a:extLst>
           </p:cNvPr>
@@ -2868,7 +2868,7 @@
           <p:cNvPr id="4" name="日期占位符 3">
             <a:extLst>
               <a:ext uri="{FF2B5EF4-FFF2-40B4-BE49-F238E27FC236}">
-                <a16:creationId xmlns:a16="http://schemas.microsoft.com/office/drawing/2014/main" id="{1418AC5F-5787-CEDC-6BBB-9CADBB8FA4BD}"/>
+                <a16:creationId xmlns:a16="http://schemas.microsoft.com/office/drawing/2014/main" id="{760012EB-A507-B901-9007-94D94743D461}"/>
               </a:ext>
             </a:extLst>
           </p:cNvPr>
@@ -2902,7 +2902,7 @@
             </a:lvl1pPr>
           </a:lstStyle>
           <a:p>
-            <a:fld id="{F02B755E-E8D3-4E89-9330-B3B34608EDEC}" type="datetimeFigureOut">
+            <a:fld id="{9D500D2F-7107-4DAA-838B-73FF36617F64}" type="datetimeFigureOut">
               <a:rPr lang="zh-CN" altLang="en-US" smtClean="0"/>
               <a:t>2024/3/10</a:t>
             </a:fld>
@@ -2915,7 +2915,7 @@
           <p:cNvPr id="5" name="页脚占位符 4">
             <a:extLst>
               <a:ext uri="{FF2B5EF4-FFF2-40B4-BE49-F238E27FC236}">
-                <a16:creationId xmlns:a16="http://schemas.microsoft.com/office/drawing/2014/main" id="{8C14E787-B483-EA86-C0F2-5A030A2B1663}"/>
+                <a16:creationId xmlns:a16="http://schemas.microsoft.com/office/drawing/2014/main" id="{45151BFB-68C3-9B9B-7F07-92BD08003193}"/>
               </a:ext>
             </a:extLst>
           </p:cNvPr>
@@ -2958,7 +2958,7 @@
           <p:cNvPr id="6" name="灯片编号占位符 5">
             <a:extLst>
               <a:ext uri="{FF2B5EF4-FFF2-40B4-BE49-F238E27FC236}">
-                <a16:creationId xmlns:a16="http://schemas.microsoft.com/office/drawing/2014/main" id="{D4163C63-581A-FD3B-2908-F367C2DCA5F8}"/>
+                <a16:creationId xmlns:a16="http://schemas.microsoft.com/office/drawing/2014/main" id="{A0D3D13B-F9C2-318D-69F9-016A199E662F}"/>
               </a:ext>
             </a:extLst>
           </p:cNvPr>
@@ -2992,7 +2992,7 @@
             </a:lvl1pPr>
           </a:lstStyle>
           <a:p>
-            <a:fld id="{3D29E76B-7B53-4B5C-ACD8-42EDBD0D4A6B}" type="slidenum">
+            <a:fld id="{FB840136-6F12-4CAB-A752-9063F8E637DC}" type="slidenum">
               <a:rPr lang="zh-CN" altLang="en-US" smtClean="0"/>
               <a:t>‹#›</a:t>
             </a:fld>
@@ -3003,7 +3003,7 @@
     </p:spTree>
     <p:extLst>
       <p:ext uri="{BB962C8B-B14F-4D97-AF65-F5344CB8AC3E}">
-        <p14:creationId xmlns:p14="http://schemas.microsoft.com/office/powerpoint/2010/main" val="250199706"/>
+        <p14:creationId xmlns:p14="http://schemas.microsoft.com/office/powerpoint/2010/main" val="3149509039"/>
       </p:ext>
     </p:extLst>
   </p:cSld>
@@ -3323,7 +3323,7 @@
       </p:grpSpPr>
       <p:pic>
         <p:nvPicPr>
-          <p:cNvPr id="651266" name="Picture 2" descr="635"/>
+          <p:cNvPr id="652290" name="Picture 2" descr="636"/>
           <p:cNvPicPr>
             <a:picLocks noChangeAspect="1" noChangeArrowheads="1"/>
           </p:cNvPicPr>
@@ -3375,11 +3375,158 @@
           </a:extLst>
         </p:spPr>
       </p:pic>
+      <p:pic>
+        <p:nvPicPr>
+          <p:cNvPr id="653315" name="Picture 3" descr="636-2"/>
+          <p:cNvPicPr>
+            <a:picLocks noChangeAspect="1" noChangeArrowheads="1"/>
+          </p:cNvPicPr>
+          <p:nvPr/>
+        </p:nvPicPr>
+        <p:blipFill>
+          <a:blip r:embed="rId3">
+            <a:extLst>
+              <a:ext uri="{28A0092B-C50C-407E-A947-70E740481C1C}">
+                <a14:useLocalDpi xmlns:a14="http://schemas.microsoft.com/office/drawing/2010/main" val="0"/>
+              </a:ext>
+            </a:extLst>
+          </a:blip>
+          <a:srcRect/>
+          <a:stretch>
+            <a:fillRect/>
+          </a:stretch>
+        </p:blipFill>
+        <p:spPr bwMode="auto">
+          <a:xfrm>
+            <a:off x="1524000" y="-12700"/>
+            <a:ext cx="9144000" cy="6845300"/>
+          </a:xfrm>
+          <a:prstGeom prst="rect">
+            <a:avLst/>
+          </a:prstGeom>
+          <a:noFill/>
+          <a:ln>
+            <a:noFill/>
+          </a:ln>
+          <a:effectLst/>
+          <a:extLst>
+            <a:ext uri="{909E8E84-426E-40DD-AFC4-6F175D3DCCD1}">
+              <a14:hiddenFill xmlns:a14="http://schemas.microsoft.com/office/drawing/2010/main">
+                <a:solidFill>
+                  <a:srgbClr val="FFFFFF"/>
+                </a:solidFill>
+              </a14:hiddenFill>
+            </a:ext>
+            <a:ext uri="{91240B29-F687-4F45-9708-019B960494DF}">
+              <a14:hiddenLine xmlns:a14="http://schemas.microsoft.com/office/drawing/2010/main" w="9525">
+                <a:solidFill>
+                  <a:srgbClr val="000000"/>
+                </a:solidFill>
+                <a:miter lim="800000"/>
+                <a:headEnd/>
+                <a:tailEnd/>
+              </a14:hiddenLine>
+            </a:ext>
+            <a:ext uri="{AF507438-7753-43E0-B8FC-AC1667EBCBE1}">
+              <a14:hiddenEffects xmlns:a14="http://schemas.microsoft.com/office/drawing/2010/main">
+                <a:effectLst>
+                  <a:outerShdw dist="35921" dir="2700000" algn="ctr" rotWithShape="0">
+                    <a:srgbClr val="808080"/>
+                  </a:outerShdw>
+                </a:effectLst>
+              </a14:hiddenEffects>
+            </a:ext>
+          </a:extLst>
+        </p:spPr>
+      </p:pic>
     </p:spTree>
   </p:cSld>
   <p:clrMapOvr>
     <a:masterClrMapping/>
   </p:clrMapOvr>
+  <p:timing>
+    <p:tnLst>
+      <p:par>
+        <p:cTn id="1" dur="indefinite" restart="never" nodeType="tmRoot">
+          <p:childTnLst>
+            <p:seq concurrent="1" nextAc="seek">
+              <p:cTn id="2" dur="indefinite" nodeType="mainSeq">
+                <p:childTnLst>
+                  <p:par>
+                    <p:cTn id="3" fill="hold" nodeType="clickPar">
+                      <p:stCondLst>
+                        <p:cond delay="indefinite"/>
+                      </p:stCondLst>
+                      <p:childTnLst>
+                        <p:par>
+                          <p:cTn id="4" fill="hold" nodeType="withGroup">
+                            <p:stCondLst>
+                              <p:cond delay="0"/>
+                            </p:stCondLst>
+                            <p:childTnLst>
+                              <p:par>
+                                <p:cTn id="5" presetID="10" presetClass="entr" presetSubtype="0" fill="hold" nodeType="clickEffect">
+                                  <p:stCondLst>
+                                    <p:cond delay="0"/>
+                                  </p:stCondLst>
+                                  <p:childTnLst>
+                                    <p:set>
+                                      <p:cBhvr>
+                                        <p:cTn id="6" dur="1" fill="hold">
+                                          <p:stCondLst>
+                                            <p:cond delay="0"/>
+                                          </p:stCondLst>
+                                        </p:cTn>
+                                        <p:tgtEl>
+                                          <p:spTgt spid="653315"/>
+                                        </p:tgtEl>
+                                        <p:attrNameLst>
+                                          <p:attrName>style.visibility</p:attrName>
+                                        </p:attrNameLst>
+                                      </p:cBhvr>
+                                      <p:to>
+                                        <p:strVal val="visible"/>
+                                      </p:to>
+                                    </p:set>
+                                    <p:animEffect transition="in" filter="fade">
+                                      <p:cBhvr>
+                                        <p:cTn id="7" dur="500"/>
+                                        <p:tgtEl>
+                                          <p:spTgt spid="653315"/>
+                                        </p:tgtEl>
+                                      </p:cBhvr>
+                                    </p:animEffect>
+                                  </p:childTnLst>
+                                </p:cTn>
+                              </p:par>
+                            </p:childTnLst>
+                          </p:cTn>
+                        </p:par>
+                      </p:childTnLst>
+                    </p:cTn>
+                  </p:par>
+                </p:childTnLst>
+              </p:cTn>
+              <p:prevCondLst>
+                <p:cond evt="onPrev" delay="0">
+                  <p:tgtEl>
+                    <p:sldTgt/>
+                  </p:tgtEl>
+                </p:cond>
+              </p:prevCondLst>
+              <p:nextCondLst>
+                <p:cond evt="onNext" delay="0">
+                  <p:tgtEl>
+                    <p:sldTgt/>
+                  </p:tgtEl>
+                </p:cond>
+              </p:nextCondLst>
+            </p:seq>
+          </p:childTnLst>
+        </p:cTn>
+      </p:par>
+    </p:tnLst>
+  </p:timing>
 </p:sld>
 </file>
 
